--- a/nmithack/nmit-hacks.pptx
+++ b/nmithack/nmit-hacks.pptx
@@ -10,11 +10,11 @@
   <p:sldIdLst>
     <p:sldId id="256" r:id="rId2"/>
     <p:sldId id="261" r:id="rId3"/>
-    <p:sldId id="259" r:id="rId4"/>
-    <p:sldId id="260" r:id="rId5"/>
-    <p:sldId id="262" r:id="rId6"/>
-    <p:sldId id="263" r:id="rId7"/>
-    <p:sldId id="264" r:id="rId8"/>
+    <p:sldId id="260" r:id="rId4"/>
+    <p:sldId id="262" r:id="rId5"/>
+    <p:sldId id="263" r:id="rId6"/>
+    <p:sldId id="264" r:id="rId7"/>
+    <p:sldId id="274" r:id="rId8"/>
     <p:sldId id="268" r:id="rId9"/>
     <p:sldId id="265" r:id="rId10"/>
     <p:sldId id="266" r:id="rId11"/>
@@ -227,7 +227,7 @@
           <a:p>
             <a:fld id="{C8D18E60-4300-4729-A0D7-6AB984C3922D}" type="datetimeFigureOut">
               <a:rPr lang="en-US" smtClean="0"/>
-              <a:t>1/24/2020</a:t>
+              <a:t>1/25/2020</a:t>
             </a:fld>
             <a:endParaRPr lang="en-US"/>
           </a:p>
@@ -559,7 +559,7 @@
           <a:p>
             <a:fld id="{AF533E96-F078-4B3D-A8F4-F1AF21EBC357}" type="slidenum">
               <a:rPr lang="en-US" smtClean="0"/>
-              <a:t>7</a:t>
+              <a:t>6</a:t>
             </a:fld>
             <a:endParaRPr lang="en-US"/>
           </a:p>
@@ -579,6 +579,90 @@
 </file>
 
 <file path=ppt/notesSlides/notesSlide2.xml><?xml version="1.0" encoding="utf-8"?>
+<p:notes xmlns:a="http://schemas.openxmlformats.org/drawingml/2006/main" xmlns:r="http://schemas.openxmlformats.org/officeDocument/2006/relationships" xmlns:p="http://schemas.openxmlformats.org/presentationml/2006/main">
+  <p:cSld>
+    <p:spTree>
+      <p:nvGrpSpPr>
+        <p:cNvPr id="1" name=""/>
+        <p:cNvGrpSpPr/>
+        <p:nvPr/>
+      </p:nvGrpSpPr>
+      <p:grpSpPr>
+        <a:xfrm>
+          <a:off x="0" y="0"/>
+          <a:ext cx="0" cy="0"/>
+          <a:chOff x="0" y="0"/>
+          <a:chExt cx="0" cy="0"/>
+        </a:xfrm>
+      </p:grpSpPr>
+      <p:sp>
+        <p:nvSpPr>
+          <p:cNvPr id="2" name="Slide Image Placeholder 1"/>
+          <p:cNvSpPr>
+            <a:spLocks noGrp="1" noRot="1" noChangeAspect="1"/>
+          </p:cNvSpPr>
+          <p:nvPr>
+            <p:ph type="sldImg"/>
+          </p:nvPr>
+        </p:nvSpPr>
+        <p:spPr/>
+      </p:sp>
+      <p:sp>
+        <p:nvSpPr>
+          <p:cNvPr id="3" name="Notes Placeholder 2"/>
+          <p:cNvSpPr>
+            <a:spLocks noGrp="1"/>
+          </p:cNvSpPr>
+          <p:nvPr>
+            <p:ph type="body" idx="1"/>
+          </p:nvPr>
+        </p:nvSpPr>
+        <p:spPr/>
+        <p:txBody>
+          <a:bodyPr/>
+          <a:lstStyle/>
+          <a:p>
+            <a:endParaRPr lang="en-IN" dirty="0"/>
+          </a:p>
+        </p:txBody>
+      </p:sp>
+      <p:sp>
+        <p:nvSpPr>
+          <p:cNvPr id="4" name="Slide Number Placeholder 3"/>
+          <p:cNvSpPr>
+            <a:spLocks noGrp="1"/>
+          </p:cNvSpPr>
+          <p:nvPr>
+            <p:ph type="sldNum" sz="quarter" idx="10"/>
+          </p:nvPr>
+        </p:nvSpPr>
+        <p:spPr/>
+        <p:txBody>
+          <a:bodyPr/>
+          <a:lstStyle/>
+          <a:p>
+            <a:fld id="{AF533E96-F078-4B3D-A8F4-F1AF21EBC357}" type="slidenum">
+              <a:rPr lang="en-US" smtClean="0"/>
+              <a:t>7</a:t>
+            </a:fld>
+            <a:endParaRPr lang="en-US"/>
+          </a:p>
+        </p:txBody>
+      </p:sp>
+    </p:spTree>
+    <p:extLst>
+      <p:ext uri="{BB962C8B-B14F-4D97-AF65-F5344CB8AC3E}">
+        <p14:creationId xmlns:p14="http://schemas.microsoft.com/office/powerpoint/2010/main" val="483869801"/>
+      </p:ext>
+    </p:extLst>
+  </p:cSld>
+  <p:clrMapOvr>
+    <a:masterClrMapping/>
+  </p:clrMapOvr>
+</p:notes>
+</file>
+
+<file path=ppt/notesSlides/notesSlide3.xml><?xml version="1.0" encoding="utf-8"?>
 <p:notes xmlns:a="http://schemas.openxmlformats.org/drawingml/2006/main" xmlns:r="http://schemas.openxmlformats.org/officeDocument/2006/relationships" xmlns:p="http://schemas.openxmlformats.org/presentationml/2006/main">
   <p:cSld>
     <p:spTree>
@@ -889,7 +973,7 @@
             <a:fld id="{53074F12-AA26-4AC8-9962-C36BB8F32554}" type="datetimeFigureOut">
               <a:rPr lang="en-US" smtClean="0"/>
               <a:pPr/>
-              <a:t>1/24/2020</a:t>
+              <a:t>1/25/2020</a:t>
             </a:fld>
             <a:endParaRPr lang="en-US"/>
           </a:p>
@@ -1146,7 +1230,7 @@
             <a:fld id="{53074F12-AA26-4AC8-9962-C36BB8F32554}" type="datetimeFigureOut">
               <a:rPr lang="en-US" smtClean="0"/>
               <a:pPr/>
-              <a:t>1/24/2020</a:t>
+              <a:t>1/25/2020</a:t>
             </a:fld>
             <a:endParaRPr lang="en-US"/>
           </a:p>
@@ -1319,7 +1403,7 @@
             <a:fld id="{53074F12-AA26-4AC8-9962-C36BB8F32554}" type="datetimeFigureOut">
               <a:rPr lang="en-US" smtClean="0"/>
               <a:pPr/>
-              <a:t>1/24/2020</a:t>
+              <a:t>1/25/2020</a:t>
             </a:fld>
             <a:endParaRPr lang="en-US"/>
           </a:p>
@@ -1502,7 +1586,7 @@
             <a:fld id="{53074F12-AA26-4AC8-9962-C36BB8F32554}" type="datetimeFigureOut">
               <a:rPr lang="en-US" smtClean="0"/>
               <a:pPr/>
-              <a:t>1/24/2020</a:t>
+              <a:t>1/25/2020</a:t>
             </a:fld>
             <a:endParaRPr lang="en-US"/>
           </a:p>
@@ -1787,7 +1871,7 @@
             <a:fld id="{53074F12-AA26-4AC8-9962-C36BB8F32554}" type="datetimeFigureOut">
               <a:rPr lang="en-US" smtClean="0"/>
               <a:pPr/>
-              <a:t>1/24/2020</a:t>
+              <a:t>1/25/2020</a:t>
             </a:fld>
             <a:endParaRPr lang="en-US"/>
           </a:p>
@@ -2037,7 +2121,7 @@
             <a:fld id="{53074F12-AA26-4AC8-9962-C36BB8F32554}" type="datetimeFigureOut">
               <a:rPr lang="en-US" smtClean="0"/>
               <a:pPr/>
-              <a:t>1/24/2020</a:t>
+              <a:t>1/25/2020</a:t>
             </a:fld>
             <a:endParaRPr lang="en-US"/>
           </a:p>
@@ -2287,7 +2371,7 @@
             <a:fld id="{53074F12-AA26-4AC8-9962-C36BB8F32554}" type="datetimeFigureOut">
               <a:rPr lang="en-US" smtClean="0"/>
               <a:pPr/>
-              <a:t>1/24/2020</a:t>
+              <a:t>1/25/2020</a:t>
             </a:fld>
             <a:endParaRPr lang="en-US"/>
           </a:p>
@@ -2577,7 +2661,7 @@
             <a:fld id="{53074F12-AA26-4AC8-9962-C36BB8F32554}" type="datetimeFigureOut">
               <a:rPr lang="en-US" smtClean="0"/>
               <a:pPr/>
-              <a:t>1/24/2020</a:t>
+              <a:t>1/25/2020</a:t>
             </a:fld>
             <a:endParaRPr lang="en-US"/>
           </a:p>
@@ -3067,7 +3151,7 @@
             <a:fld id="{53074F12-AA26-4AC8-9962-C36BB8F32554}" type="datetimeFigureOut">
               <a:rPr lang="en-US" smtClean="0"/>
               <a:pPr/>
-              <a:t>1/24/2020</a:t>
+              <a:t>1/25/2020</a:t>
             </a:fld>
             <a:endParaRPr lang="en-US"/>
           </a:p>
@@ -3189,7 +3273,7 @@
             <a:fld id="{53074F12-AA26-4AC8-9962-C36BB8F32554}" type="datetimeFigureOut">
               <a:rPr lang="en-US" smtClean="0"/>
               <a:pPr/>
-              <a:t>1/24/2020</a:t>
+              <a:t>1/25/2020</a:t>
             </a:fld>
             <a:endParaRPr lang="en-US"/>
           </a:p>
@@ -3289,7 +3373,7 @@
             <a:fld id="{53074F12-AA26-4AC8-9962-C36BB8F32554}" type="datetimeFigureOut">
               <a:rPr lang="en-US" smtClean="0"/>
               <a:pPr/>
-              <a:t>1/24/2020</a:t>
+              <a:t>1/25/2020</a:t>
             </a:fld>
             <a:endParaRPr lang="en-US"/>
           </a:p>
@@ -3569,7 +3653,7 @@
             <a:fld id="{53074F12-AA26-4AC8-9962-C36BB8F32554}" type="datetimeFigureOut">
               <a:rPr lang="en-US" smtClean="0"/>
               <a:pPr/>
-              <a:t>1/24/2020</a:t>
+              <a:t>1/25/2020</a:t>
             </a:fld>
             <a:endParaRPr lang="en-US"/>
           </a:p>
@@ -3794,7 +3878,7 @@
             <a:fld id="{53074F12-AA26-4AC8-9962-C36BB8F32554}" type="datetimeFigureOut">
               <a:rPr lang="en-US" smtClean="0"/>
               <a:pPr/>
-              <a:t>1/24/2020</a:t>
+              <a:t>1/25/2020</a:t>
             </a:fld>
             <a:endParaRPr lang="en-US"/>
           </a:p>
@@ -4247,7 +4331,7 @@
                 <a:latin typeface="Arial" panose="020B0604020202020204" pitchFamily="34" charset="0"/>
                 <a:cs typeface="Arial" panose="020B0604020202020204" pitchFamily="34" charset="0"/>
               </a:rPr>
-              <a:t>Optimizing Bus Schedules</a:t>
+              <a:t>Bus Schedule Optimizer</a:t>
             </a:r>
             <a:endParaRPr lang="en-US" dirty="0">
               <a:latin typeface="Arial" panose="020B0604020202020204" pitchFamily="34" charset="0"/>
@@ -4342,11 +4426,7 @@
           <a:p>
             <a:r>
               <a:rPr lang="en-US" u="sng" dirty="0" smtClean="0"/>
-              <a:t>Resu</a:t>
-            </a:r>
-            <a:r>
-              <a:rPr lang="en-US" u="sng" dirty="0" smtClean="0"/>
-              <a:t>lts</a:t>
+              <a:t>Results</a:t>
             </a:r>
             <a:endParaRPr lang="en-US" u="sng" dirty="0"/>
           </a:p>
@@ -4364,13 +4444,13 @@
         </p:nvSpPr>
         <p:spPr>
           <a:xfrm>
-            <a:off x="907080" y="1622886"/>
-            <a:ext cx="5955494" cy="3511061"/>
+            <a:off x="448965" y="1205956"/>
+            <a:ext cx="6413609" cy="907680"/>
           </a:xfrm>
         </p:spPr>
         <p:txBody>
           <a:bodyPr>
-            <a:normAutofit/>
+            <a:normAutofit lnSpcReduction="10000"/>
           </a:bodyPr>
           <a:lstStyle/>
           <a:p>
@@ -4381,21 +4461,67 @@
               <a:buNone/>
             </a:pPr>
             <a:r>
-              <a:rPr lang="en-US" sz="2400" dirty="0" smtClean="0"/>
-              <a:t>An estimated increase</a:t>
-            </a:r>
-            <a:r>
-              <a:rPr lang="en-US" sz="2400" dirty="0"/>
-              <a:t> of X%</a:t>
-            </a:r>
-            <a:r>
-              <a:rPr lang="en-US" sz="2400" dirty="0" smtClean="0"/>
-              <a:t> in passengers was achieved for a bus XXXX through our model.</a:t>
-            </a:r>
-            <a:endParaRPr lang="en-US" sz="2400" dirty="0"/>
-          </a:p>
-        </p:txBody>
-      </p:sp>
+              <a:rPr lang="en-US" sz="1900" dirty="0" smtClean="0"/>
+              <a:t>An average increase</a:t>
+            </a:r>
+            <a:r>
+              <a:rPr lang="en-US" sz="1900" dirty="0"/>
+              <a:t> of </a:t>
+            </a:r>
+            <a:r>
+              <a:rPr lang="en-US" sz="1900" dirty="0" smtClean="0"/>
+              <a:t>4% in passengers was achieved for a bus ‘1’ through our model</a:t>
+            </a:r>
+            <a:r>
+              <a:rPr lang="en-US" sz="1900" dirty="0"/>
+              <a:t>,</a:t>
+            </a:r>
+            <a:r>
+              <a:rPr lang="en-US" sz="1900" dirty="0" smtClean="0"/>
+              <a:t> </a:t>
+            </a:r>
+            <a:r>
+              <a:rPr lang="en-US" sz="1900" dirty="0"/>
+              <a:t>w</a:t>
+            </a:r>
+            <a:r>
+              <a:rPr lang="en-US" sz="1900" dirty="0" smtClean="0"/>
+              <a:t>ith 65% profitable runs:</a:t>
+            </a:r>
+            <a:endParaRPr lang="en-US" sz="1900" dirty="0"/>
+          </a:p>
+        </p:txBody>
+      </p:sp>
+      <p:pic>
+        <p:nvPicPr>
+          <p:cNvPr id="3" name="Picture 2"/>
+          <p:cNvPicPr>
+            <a:picLocks noChangeAspect="1"/>
+          </p:cNvPicPr>
+          <p:nvPr/>
+        </p:nvPicPr>
+        <p:blipFill>
+          <a:blip r:embed="rId2">
+            <a:extLst>
+              <a:ext uri="{28A0092B-C50C-407E-A947-70E740481C1C}">
+                <a14:useLocalDpi xmlns:a14="http://schemas.microsoft.com/office/drawing/2010/main" val="0"/>
+              </a:ext>
+            </a:extLst>
+          </a:blip>
+          <a:stretch>
+            <a:fillRect/>
+          </a:stretch>
+        </p:blipFill>
+        <p:spPr>
+          <a:xfrm>
+            <a:off x="1493594" y="2266340"/>
+            <a:ext cx="4324350" cy="2800350"/>
+          </a:xfrm>
+          <a:prstGeom prst="rect">
+            <a:avLst/>
+          </a:prstGeom>
+        </p:spPr>
+      </p:pic>
     </p:spTree>
     <p:extLst>
       <p:ext uri="{BB962C8B-B14F-4D97-AF65-F5344CB8AC3E}">
@@ -4776,11 +4902,7 @@
             </a:r>
             <a:r>
               <a:rPr lang="en-US" sz="2400" u="sng" dirty="0" smtClean="0"/>
-              <a:t>Namma M</a:t>
-            </a:r>
-            <a:r>
-              <a:rPr lang="en-US" sz="2400" u="sng" dirty="0" smtClean="0"/>
-              <a:t>etro</a:t>
+              <a:t>Namma Metro</a:t>
             </a:r>
             <a:r>
               <a:rPr lang="en-US" sz="2400" dirty="0" smtClean="0"/>
@@ -5320,15 +5442,15 @@
           <a:p>
             <a:r>
               <a:rPr lang="en-US" u="sng" dirty="0" smtClean="0"/>
-              <a:t>The Problem</a:t>
+              <a:t>The Problem </a:t>
             </a:r>
             <a:r>
               <a:rPr lang="en-US" dirty="0" smtClean="0"/>
-              <a:t> - </a:t>
+              <a:t>- </a:t>
             </a:r>
             <a:r>
               <a:rPr lang="en-US" u="sng" dirty="0" smtClean="0"/>
-              <a:t>Introduction</a:t>
+              <a:t>Overview</a:t>
             </a:r>
             <a:endParaRPr lang="en-US" u="sng" dirty="0"/>
           </a:p>
@@ -5346,8 +5468,8 @@
         </p:nvSpPr>
         <p:spPr>
           <a:xfrm>
-            <a:off x="734442" y="1808225"/>
-            <a:ext cx="6108199" cy="3511061"/>
+            <a:off x="907080" y="1622886"/>
+            <a:ext cx="5955494" cy="3511061"/>
           </a:xfrm>
         </p:spPr>
         <p:txBody>
@@ -5364,7 +5486,7 @@
             </a:pPr>
             <a:r>
               <a:rPr lang="en-US" sz="2400" dirty="0" smtClean="0"/>
-              <a:t>Bus services in Bangalore is one of the most used public transportation services. These buses move up and about everyday through decided stops and harsh deadlines.</a:t>
+              <a:t>As the crowd distribution is pretty dynamic, it is hard to predict what is the optimal timing for a bus to run through its route, so as to keep the bus filled (and at a profit) and facilitate crowd at the time of need.</a:t>
             </a:r>
             <a:endParaRPr lang="en-US" sz="2400" dirty="0"/>
           </a:p>
@@ -5373,7 +5495,7 @@
     </p:spTree>
     <p:extLst>
       <p:ext uri="{BB962C8B-B14F-4D97-AF65-F5344CB8AC3E}">
-        <p14:creationId xmlns:p14="http://schemas.microsoft.com/office/powerpoint/2010/main" val="1101633878"/>
+        <p14:creationId xmlns:p14="http://schemas.microsoft.com/office/powerpoint/2010/main" val="3656346585"/>
       </p:ext>
     </p:extLst>
   </p:cSld>
@@ -5437,7 +5559,7 @@
             </a:r>
             <a:r>
               <a:rPr lang="en-US" u="sng" dirty="0" smtClean="0"/>
-              <a:t>Overview</a:t>
+              <a:t>Detailed</a:t>
             </a:r>
             <a:endParaRPr lang="en-US" u="sng" dirty="0"/>
           </a:p>
@@ -5472,17 +5594,17 @@
               <a:buNone/>
             </a:pPr>
             <a:r>
-              <a:rPr lang="en-US" sz="2400" dirty="0" smtClean="0"/>
-              <a:t>As the crowd distribution is pretty dynamic, it is hard to predict what is the optimal timing for a bus to run through its route, so as to keep the bus filled (and at a profit) and facilitate crowd at the time of need.</a:t>
-            </a:r>
-            <a:endParaRPr lang="en-US" sz="2400" dirty="0"/>
+              <a:rPr lang="en-US" sz="2000" dirty="0" smtClean="0"/>
+              <a:t>How to optimize a dynamic system of schedules of bus services to maximize profit and minimize rate of customers missing the buses?</a:t>
+            </a:r>
+            <a:endParaRPr lang="en-US" sz="2000" dirty="0"/>
           </a:p>
         </p:txBody>
       </p:sp>
     </p:spTree>
     <p:extLst>
       <p:ext uri="{BB962C8B-B14F-4D97-AF65-F5344CB8AC3E}">
-        <p14:creationId xmlns:p14="http://schemas.microsoft.com/office/powerpoint/2010/main" val="3656346585"/>
+        <p14:creationId xmlns:p14="http://schemas.microsoft.com/office/powerpoint/2010/main" val="2112387886"/>
       </p:ext>
     </p:extLst>
   </p:cSld>
@@ -5538,7 +5660,7 @@
           <a:p>
             <a:r>
               <a:rPr lang="en-US" u="sng" dirty="0" smtClean="0"/>
-              <a:t>The Problem </a:t>
+              <a:t>The Solution </a:t>
             </a:r>
             <a:r>
               <a:rPr lang="en-US" dirty="0" smtClean="0"/>
@@ -5546,7 +5668,7 @@
             </a:r>
             <a:r>
               <a:rPr lang="en-US" u="sng" dirty="0" smtClean="0"/>
-              <a:t>Detailed</a:t>
+              <a:t>Introduction</a:t>
             </a:r>
             <a:endParaRPr lang="en-US" u="sng" dirty="0"/>
           </a:p>
@@ -5574,24 +5696,59 @@
           </a:bodyPr>
           <a:lstStyle/>
           <a:p>
+            <a:pPr>
+              <a:lnSpc>
+                <a:spcPct val="150000"/>
+              </a:lnSpc>
+            </a:pPr>
+            <a:r>
+              <a:rPr lang="en-US" sz="2000" dirty="0" smtClean="0"/>
+              <a:t>The solution comes from analysis of crowd distribution over different routes at different timestamps.</a:t>
+            </a:r>
+          </a:p>
+          <a:p>
             <a:pPr marL="0" indent="0">
               <a:lnSpc>
                 <a:spcPct val="150000"/>
               </a:lnSpc>
               <a:buNone/>
             </a:pPr>
+            <a:endParaRPr lang="en-US" sz="1800" dirty="0"/>
+          </a:p>
+          <a:p>
+            <a:pPr>
+              <a:lnSpc>
+                <a:spcPct val="150000"/>
+              </a:lnSpc>
+            </a:pPr>
             <a:r>
               <a:rPr lang="en-US" sz="2000" dirty="0" smtClean="0"/>
-              <a:t>How to optimize a dynamic system of schedules of bus services to maximize profit and minimize rate of customers missing the buses?</a:t>
+              <a:t>We </a:t>
+            </a:r>
+            <a:r>
+              <a:rPr lang="en-US" sz="2000" dirty="0"/>
+              <a:t>can use it to </a:t>
+            </a:r>
+            <a:r>
+              <a:rPr lang="en-US" sz="2000" dirty="0" smtClean="0"/>
+              <a:t>perform a simulation for each bus following a specific route at different times</a:t>
             </a:r>
             <a:endParaRPr lang="en-US" sz="2000" dirty="0"/>
+          </a:p>
+          <a:p>
+            <a:pPr>
+              <a:lnSpc>
+                <a:spcPct val="150000"/>
+              </a:lnSpc>
+            </a:pPr>
+            <a:endParaRPr lang="en-US" sz="2000" dirty="0" smtClean="0"/>
           </a:p>
         </p:txBody>
       </p:sp>
     </p:spTree>
     <p:extLst>
       <p:ext uri="{BB962C8B-B14F-4D97-AF65-F5344CB8AC3E}">
-        <p14:creationId xmlns:p14="http://schemas.microsoft.com/office/powerpoint/2010/main" val="2112387886"/>
+        <p14:creationId xmlns:p14="http://schemas.microsoft.com/office/powerpoint/2010/main" val="2477280315"/>
       </p:ext>
     </p:extLst>
   </p:cSld>
@@ -5655,7 +5812,7 @@
             </a:r>
             <a:r>
               <a:rPr lang="en-US" u="sng" dirty="0" smtClean="0"/>
-              <a:t>Introduction</a:t>
+              <a:t>Technicalities</a:t>
             </a:r>
             <a:endParaRPr lang="en-US" u="sng" dirty="0"/>
           </a:p>
@@ -5683,59 +5840,40 @@
           </a:bodyPr>
           <a:lstStyle/>
           <a:p>
-            <a:pPr>
-              <a:lnSpc>
-                <a:spcPct val="150000"/>
-              </a:lnSpc>
-            </a:pPr>
-            <a:r>
-              <a:rPr lang="en-US" sz="2000" dirty="0" smtClean="0"/>
-              <a:t>The solution comes from analysis of crowd distribution over different routes at different timestamps.</a:t>
-            </a:r>
-          </a:p>
-          <a:p>
             <a:pPr marL="0" indent="0">
               <a:lnSpc>
                 <a:spcPct val="150000"/>
               </a:lnSpc>
               <a:buNone/>
             </a:pPr>
-            <a:endParaRPr lang="en-US" sz="1800" dirty="0"/>
-          </a:p>
-          <a:p>
-            <a:pPr>
-              <a:lnSpc>
-                <a:spcPct val="150000"/>
-              </a:lnSpc>
-            </a:pPr>
             <a:r>
               <a:rPr lang="en-US" sz="2000" dirty="0" smtClean="0"/>
-              <a:t>We </a:t>
-            </a:r>
-            <a:r>
-              <a:rPr lang="en-US" sz="2000" dirty="0"/>
-              <a:t>can use it to </a:t>
+              <a:t>We used a </a:t>
+            </a:r>
+            <a:r>
+              <a:rPr lang="en-US" sz="2000" u="sng" dirty="0" smtClean="0"/>
+              <a:t>Reinforcement Learning Model </a:t>
             </a:r>
             <a:r>
               <a:rPr lang="en-US" sz="2000" dirty="0" smtClean="0"/>
-              <a:t>perform a simulation for each bus following a specific route at different times</a:t>
+              <a:t>to treat buses as agents which are </a:t>
+            </a:r>
+            <a:r>
+              <a:rPr lang="en-US" sz="2000" u="sng" dirty="0" smtClean="0"/>
+              <a:t>rewarded or punished</a:t>
+            </a:r>
+            <a:r>
+              <a:rPr lang="en-US" sz="2000" dirty="0" smtClean="0"/>
+              <a:t> based on the number of passengers picked and rate of passengers missing the bus, when they start at a given timestamp.</a:t>
             </a:r>
             <a:endParaRPr lang="en-US" sz="2000" dirty="0"/>
-          </a:p>
-          <a:p>
-            <a:pPr>
-              <a:lnSpc>
-                <a:spcPct val="150000"/>
-              </a:lnSpc>
-            </a:pPr>
-            <a:endParaRPr lang="en-US" sz="2000" dirty="0" smtClean="0"/>
           </a:p>
         </p:txBody>
       </p:sp>
     </p:spTree>
     <p:extLst>
       <p:ext uri="{BB962C8B-B14F-4D97-AF65-F5344CB8AC3E}">
-        <p14:creationId xmlns:p14="http://schemas.microsoft.com/office/powerpoint/2010/main" val="2477280315"/>
+        <p14:creationId xmlns:p14="http://schemas.microsoft.com/office/powerpoint/2010/main" val="2280716513"/>
       </p:ext>
     </p:extLst>
   </p:cSld>
@@ -5795,11 +5933,11 @@
             </a:r>
             <a:r>
               <a:rPr lang="en-US" dirty="0" smtClean="0"/>
-              <a:t>- </a:t>
+              <a:t>– </a:t>
             </a:r>
             <a:r>
               <a:rPr lang="en-US" u="sng" dirty="0" smtClean="0"/>
-              <a:t>Technicalities</a:t>
+              <a:t>Tech Stack</a:t>
             </a:r>
             <a:endParaRPr lang="en-US" u="sng" dirty="0"/>
           </a:p>
@@ -5827,32 +5965,78 @@
           </a:bodyPr>
           <a:lstStyle/>
           <a:p>
-            <a:pPr marL="0" indent="0">
+            <a:pPr>
               <a:lnSpc>
                 <a:spcPct val="150000"/>
               </a:lnSpc>
-              <a:buNone/>
             </a:pPr>
             <a:r>
               <a:rPr lang="en-US" sz="2000" dirty="0" smtClean="0"/>
-              <a:t>We used a </a:t>
-            </a:r>
-            <a:r>
-              <a:rPr lang="en-US" sz="2000" u="sng" dirty="0" smtClean="0"/>
-              <a:t>Reinforcement Learning Model </a:t>
-            </a:r>
+              <a:t>React.JS</a:t>
+            </a:r>
+          </a:p>
+          <a:p>
+            <a:pPr>
+              <a:lnSpc>
+                <a:spcPct val="150000"/>
+              </a:lnSpc>
+            </a:pPr>
             <a:r>
               <a:rPr lang="en-US" sz="2000" dirty="0" smtClean="0"/>
-              <a:t>to treat buses as agents which are </a:t>
-            </a:r>
-            <a:r>
-              <a:rPr lang="en-US" sz="2000" u="sng" dirty="0" smtClean="0"/>
-              <a:t>rewarded or punished</a:t>
-            </a:r>
+              <a:t>Mapbox Maps</a:t>
+            </a:r>
+          </a:p>
+          <a:p>
+            <a:pPr>
+              <a:lnSpc>
+                <a:spcPct val="150000"/>
+              </a:lnSpc>
+            </a:pPr>
             <a:r>
               <a:rPr lang="en-US" sz="2000" dirty="0" smtClean="0"/>
-              <a:t> based on the number of passengers picked and rate of passengers missing the bus, when they start at a given timestamp.</a:t>
-            </a:r>
+              <a:t>Jupyter Notebook</a:t>
+            </a:r>
+          </a:p>
+          <a:p>
+            <a:pPr>
+              <a:lnSpc>
+                <a:spcPct val="150000"/>
+              </a:lnSpc>
+            </a:pPr>
+            <a:r>
+              <a:rPr lang="en-US" sz="2000" dirty="0" smtClean="0"/>
+              <a:t>Flask</a:t>
+            </a:r>
+          </a:p>
+          <a:p>
+            <a:pPr>
+              <a:lnSpc>
+                <a:spcPct val="150000"/>
+              </a:lnSpc>
+            </a:pPr>
+            <a:r>
+              <a:rPr lang="en-US" sz="2000" dirty="0" smtClean="0"/>
+              <a:t>CSS</a:t>
+            </a:r>
+          </a:p>
+          <a:p>
+            <a:pPr>
+              <a:lnSpc>
+                <a:spcPct val="150000"/>
+              </a:lnSpc>
+            </a:pPr>
+            <a:r>
+              <a:rPr lang="en-US" sz="2000" dirty="0" smtClean="0"/>
+              <a:t>Material UI</a:t>
+            </a:r>
+            <a:endParaRPr lang="en-US" sz="2000" dirty="0" smtClean="0"/>
+          </a:p>
+          <a:p>
+            <a:pPr>
+              <a:lnSpc>
+                <a:spcPct val="150000"/>
+              </a:lnSpc>
+            </a:pPr>
             <a:endParaRPr lang="en-US" sz="2000" dirty="0"/>
           </a:p>
         </p:txBody>
@@ -5860,7 +6044,7 @@
     </p:spTree>
     <p:extLst>
       <p:ext uri="{BB962C8B-B14F-4D97-AF65-F5344CB8AC3E}">
-        <p14:creationId xmlns:p14="http://schemas.microsoft.com/office/powerpoint/2010/main" val="2280716513"/>
+        <p14:creationId xmlns:p14="http://schemas.microsoft.com/office/powerpoint/2010/main" val="720662294"/>
       </p:ext>
     </p:extLst>
   </p:cSld>
@@ -5951,7 +6135,7 @@
             </a:pPr>
             <a:r>
               <a:rPr lang="en-US" sz="1800" dirty="0" smtClean="0"/>
-              <a:t>Crowd Distribution, Bus Routes and Timestamps were obtained.</a:t>
+              <a:t>Crowd Distribution, Bus Route and Timestamps are obtained.</a:t>
             </a:r>
           </a:p>
           <a:p>
@@ -5962,9 +6146,38 @@
             </a:pPr>
             <a:r>
               <a:rPr lang="en-US" sz="1800" dirty="0" smtClean="0"/>
-              <a:t>YOU WILL COMPLETE THIS SID!</a:t>
-            </a:r>
-            <a:endParaRPr lang="en-US" sz="1800" dirty="0" smtClean="0"/>
+              <a:t>The Bus is kept as an agent running on the route, which is the Environment</a:t>
+            </a:r>
+          </a:p>
+          <a:p>
+            <a:pPr>
+              <a:lnSpc>
+                <a:spcPct val="150000"/>
+              </a:lnSpc>
+            </a:pPr>
+            <a:r>
+              <a:rPr lang="en-US" sz="1800" dirty="0" smtClean="0"/>
+              <a:t>The Bus goes through several </a:t>
+            </a:r>
+            <a:r>
+              <a:rPr lang="en-US" sz="1800" dirty="0" smtClean="0"/>
+              <a:t>episodes </a:t>
+            </a:r>
+            <a:r>
+              <a:rPr lang="en-US" sz="1800" dirty="0" smtClean="0"/>
+              <a:t>of the same route at different timestamps</a:t>
+            </a:r>
+          </a:p>
+          <a:p>
+            <a:pPr>
+              <a:lnSpc>
+                <a:spcPct val="150000"/>
+              </a:lnSpc>
+            </a:pPr>
+            <a:r>
+              <a:rPr lang="en-US" sz="1800" dirty="0" smtClean="0"/>
+              <a:t>The most profitable time is chosen as final run.</a:t>
+            </a:r>
           </a:p>
           <a:p>
             <a:pPr>
